--- a/report_graphs/figure2/fig2.pptx
+++ b/report_graphs/figure2/fig2.pptx
@@ -243,7 +243,7 @@
           <a:p>
             <a:fld id="{DA27F154-318D-4FE3-B267-DF9BA598E648}" type="datetimeFigureOut">
               <a:rPr lang="en-AU" smtClean="0"/>
-              <a:t>1/08/2022</a:t>
+              <a:t>5/08/2022</a:t>
             </a:fld>
             <a:endParaRPr lang="en-AU"/>
           </a:p>
@@ -413,7 +413,7 @@
           <a:p>
             <a:fld id="{DA27F154-318D-4FE3-B267-DF9BA598E648}" type="datetimeFigureOut">
               <a:rPr lang="en-AU" smtClean="0"/>
-              <a:t>1/08/2022</a:t>
+              <a:t>5/08/2022</a:t>
             </a:fld>
             <a:endParaRPr lang="en-AU"/>
           </a:p>
@@ -593,7 +593,7 @@
           <a:p>
             <a:fld id="{DA27F154-318D-4FE3-B267-DF9BA598E648}" type="datetimeFigureOut">
               <a:rPr lang="en-AU" smtClean="0"/>
-              <a:t>1/08/2022</a:t>
+              <a:t>5/08/2022</a:t>
             </a:fld>
             <a:endParaRPr lang="en-AU"/>
           </a:p>
@@ -763,7 +763,7 @@
           <a:p>
             <a:fld id="{DA27F154-318D-4FE3-B267-DF9BA598E648}" type="datetimeFigureOut">
               <a:rPr lang="en-AU" smtClean="0"/>
-              <a:t>1/08/2022</a:t>
+              <a:t>5/08/2022</a:t>
             </a:fld>
             <a:endParaRPr lang="en-AU"/>
           </a:p>
@@ -1007,7 +1007,7 @@
           <a:p>
             <a:fld id="{DA27F154-318D-4FE3-B267-DF9BA598E648}" type="datetimeFigureOut">
               <a:rPr lang="en-AU" smtClean="0"/>
-              <a:t>1/08/2022</a:t>
+              <a:t>5/08/2022</a:t>
             </a:fld>
             <a:endParaRPr lang="en-AU"/>
           </a:p>
@@ -1239,7 +1239,7 @@
           <a:p>
             <a:fld id="{DA27F154-318D-4FE3-B267-DF9BA598E648}" type="datetimeFigureOut">
               <a:rPr lang="en-AU" smtClean="0"/>
-              <a:t>1/08/2022</a:t>
+              <a:t>5/08/2022</a:t>
             </a:fld>
             <a:endParaRPr lang="en-AU"/>
           </a:p>
@@ -1606,7 +1606,7 @@
           <a:p>
             <a:fld id="{DA27F154-318D-4FE3-B267-DF9BA598E648}" type="datetimeFigureOut">
               <a:rPr lang="en-AU" smtClean="0"/>
-              <a:t>1/08/2022</a:t>
+              <a:t>5/08/2022</a:t>
             </a:fld>
             <a:endParaRPr lang="en-AU"/>
           </a:p>
@@ -1724,7 +1724,7 @@
           <a:p>
             <a:fld id="{DA27F154-318D-4FE3-B267-DF9BA598E648}" type="datetimeFigureOut">
               <a:rPr lang="en-AU" smtClean="0"/>
-              <a:t>1/08/2022</a:t>
+              <a:t>5/08/2022</a:t>
             </a:fld>
             <a:endParaRPr lang="en-AU"/>
           </a:p>
@@ -1819,7 +1819,7 @@
           <a:p>
             <a:fld id="{DA27F154-318D-4FE3-B267-DF9BA598E648}" type="datetimeFigureOut">
               <a:rPr lang="en-AU" smtClean="0"/>
-              <a:t>1/08/2022</a:t>
+              <a:t>5/08/2022</a:t>
             </a:fld>
             <a:endParaRPr lang="en-AU"/>
           </a:p>
@@ -2096,7 +2096,7 @@
           <a:p>
             <a:fld id="{DA27F154-318D-4FE3-B267-DF9BA598E648}" type="datetimeFigureOut">
               <a:rPr lang="en-AU" smtClean="0"/>
-              <a:t>1/08/2022</a:t>
+              <a:t>5/08/2022</a:t>
             </a:fld>
             <a:endParaRPr lang="en-AU"/>
           </a:p>
@@ -2353,7 +2353,7 @@
           <a:p>
             <a:fld id="{DA27F154-318D-4FE3-B267-DF9BA598E648}" type="datetimeFigureOut">
               <a:rPr lang="en-AU" smtClean="0"/>
-              <a:t>1/08/2022</a:t>
+              <a:t>5/08/2022</a:t>
             </a:fld>
             <a:endParaRPr lang="en-AU"/>
           </a:p>
@@ -2566,7 +2566,7 @@
           <a:p>
             <a:fld id="{DA27F154-318D-4FE3-B267-DF9BA598E648}" type="datetimeFigureOut">
               <a:rPr lang="en-AU" smtClean="0"/>
-              <a:t>1/08/2022</a:t>
+              <a:t>5/08/2022</a:t>
             </a:fld>
             <a:endParaRPr lang="en-AU"/>
           </a:p>
@@ -2973,10 +2973,10 @@
       </p:grpSpPr>
       <p:pic>
         <p:nvPicPr>
-          <p:cNvPr id="5" name="Picture 4" descr="Chart, line chart&#10;&#10;Description automatically generated">
+          <p:cNvPr id="4" name="Picture 3" descr="Chart, line chart&#10;&#10;Description automatically generated">
             <a:extLst>
               <a:ext uri="{FF2B5EF4-FFF2-40B4-BE49-F238E27FC236}">
-                <a16:creationId xmlns:a16="http://schemas.microsoft.com/office/drawing/2014/main" id="{E3E61D69-3C3D-39AC-82A2-E19E8AE992BC}"/>
+                <a16:creationId xmlns:a16="http://schemas.microsoft.com/office/drawing/2014/main" id="{84903094-A75D-4C69-69CE-5DCB9F1F2272}"/>
               </a:ext>
             </a:extLst>
           </p:cNvPr>
@@ -2999,7 +2999,7 @@
         </p:blipFill>
         <p:spPr>
           <a:xfrm>
-            <a:off x="0" y="-1"/>
+            <a:off x="-1" y="0"/>
             <a:ext cx="3816183" cy="2442357"/>
           </a:xfrm>
           <a:prstGeom prst="rect">
@@ -3009,10 +3009,10 @@
       </p:pic>
       <p:pic>
         <p:nvPicPr>
-          <p:cNvPr id="7" name="Picture 6" descr="Chart&#10;&#10;Description automatically generated">
+          <p:cNvPr id="8" name="Picture 7" descr="Chart&#10;&#10;Description automatically generated">
             <a:extLst>
               <a:ext uri="{FF2B5EF4-FFF2-40B4-BE49-F238E27FC236}">
-                <a16:creationId xmlns:a16="http://schemas.microsoft.com/office/drawing/2014/main" id="{AF41A3CF-D833-8BDB-D3BA-F91A52A1D7F0}"/>
+                <a16:creationId xmlns:a16="http://schemas.microsoft.com/office/drawing/2014/main" id="{286181C1-9136-3544-DEB5-449C351E6E0B}"/>
               </a:ext>
             </a:extLst>
           </p:cNvPr>
@@ -3035,8 +3035,8 @@
         </p:blipFill>
         <p:spPr>
           <a:xfrm>
-            <a:off x="0" y="2211982"/>
-            <a:ext cx="3816183" cy="5342656"/>
+            <a:off x="-2" y="2211982"/>
+            <a:ext cx="3816184" cy="5342657"/>
           </a:xfrm>
           <a:prstGeom prst="rect">
             <a:avLst/>
@@ -3045,10 +3045,10 @@
       </p:pic>
       <p:pic>
         <p:nvPicPr>
-          <p:cNvPr id="3" name="Picture 2" descr="Chart, application, line chart&#10;&#10;Description automatically generated">
+          <p:cNvPr id="10" name="Picture 9" descr="Graphical user interface, application&#10;&#10;Description automatically generated">
             <a:extLst>
               <a:ext uri="{FF2B5EF4-FFF2-40B4-BE49-F238E27FC236}">
-                <a16:creationId xmlns:a16="http://schemas.microsoft.com/office/drawing/2014/main" id="{3771A61A-65C1-8AC8-4A2D-AA3D513E09B4}"/>
+                <a16:creationId xmlns:a16="http://schemas.microsoft.com/office/drawing/2014/main" id="{995F7B8B-CBC3-FD0B-3A65-3B0C298C55AB}"/>
               </a:ext>
             </a:extLst>
           </p:cNvPr>
@@ -3071,8 +3071,8 @@
         </p:blipFill>
         <p:spPr>
           <a:xfrm>
-            <a:off x="3515109" y="1"/>
-            <a:ext cx="3703254" cy="7554638"/>
+            <a:off x="3515108" y="0"/>
+            <a:ext cx="3703255" cy="7554639"/>
           </a:xfrm>
           <a:prstGeom prst="rect">
             <a:avLst/>

--- a/report_graphs/figure2/fig2.pptx
+++ b/report_graphs/figure2/fig2.pptx
@@ -243,7 +243,7 @@
           <a:p>
             <a:fld id="{DA27F154-318D-4FE3-B267-DF9BA598E648}" type="datetimeFigureOut">
               <a:rPr lang="en-AU" smtClean="0"/>
-              <a:t>5/08/2022</a:t>
+              <a:t>26/08/2022</a:t>
             </a:fld>
             <a:endParaRPr lang="en-AU"/>
           </a:p>
@@ -413,7 +413,7 @@
           <a:p>
             <a:fld id="{DA27F154-318D-4FE3-B267-DF9BA598E648}" type="datetimeFigureOut">
               <a:rPr lang="en-AU" smtClean="0"/>
-              <a:t>5/08/2022</a:t>
+              <a:t>26/08/2022</a:t>
             </a:fld>
             <a:endParaRPr lang="en-AU"/>
           </a:p>
@@ -593,7 +593,7 @@
           <a:p>
             <a:fld id="{DA27F154-318D-4FE3-B267-DF9BA598E648}" type="datetimeFigureOut">
               <a:rPr lang="en-AU" smtClean="0"/>
-              <a:t>5/08/2022</a:t>
+              <a:t>26/08/2022</a:t>
             </a:fld>
             <a:endParaRPr lang="en-AU"/>
           </a:p>
@@ -763,7 +763,7 @@
           <a:p>
             <a:fld id="{DA27F154-318D-4FE3-B267-DF9BA598E648}" type="datetimeFigureOut">
               <a:rPr lang="en-AU" smtClean="0"/>
-              <a:t>5/08/2022</a:t>
+              <a:t>26/08/2022</a:t>
             </a:fld>
             <a:endParaRPr lang="en-AU"/>
           </a:p>
@@ -1007,7 +1007,7 @@
           <a:p>
             <a:fld id="{DA27F154-318D-4FE3-B267-DF9BA598E648}" type="datetimeFigureOut">
               <a:rPr lang="en-AU" smtClean="0"/>
-              <a:t>5/08/2022</a:t>
+              <a:t>26/08/2022</a:t>
             </a:fld>
             <a:endParaRPr lang="en-AU"/>
           </a:p>
@@ -1239,7 +1239,7 @@
           <a:p>
             <a:fld id="{DA27F154-318D-4FE3-B267-DF9BA598E648}" type="datetimeFigureOut">
               <a:rPr lang="en-AU" smtClean="0"/>
-              <a:t>5/08/2022</a:t>
+              <a:t>26/08/2022</a:t>
             </a:fld>
             <a:endParaRPr lang="en-AU"/>
           </a:p>
@@ -1606,7 +1606,7 @@
           <a:p>
             <a:fld id="{DA27F154-318D-4FE3-B267-DF9BA598E648}" type="datetimeFigureOut">
               <a:rPr lang="en-AU" smtClean="0"/>
-              <a:t>5/08/2022</a:t>
+              <a:t>26/08/2022</a:t>
             </a:fld>
             <a:endParaRPr lang="en-AU"/>
           </a:p>
@@ -1724,7 +1724,7 @@
           <a:p>
             <a:fld id="{DA27F154-318D-4FE3-B267-DF9BA598E648}" type="datetimeFigureOut">
               <a:rPr lang="en-AU" smtClean="0"/>
-              <a:t>5/08/2022</a:t>
+              <a:t>26/08/2022</a:t>
             </a:fld>
             <a:endParaRPr lang="en-AU"/>
           </a:p>
@@ -1819,7 +1819,7 @@
           <a:p>
             <a:fld id="{DA27F154-318D-4FE3-B267-DF9BA598E648}" type="datetimeFigureOut">
               <a:rPr lang="en-AU" smtClean="0"/>
-              <a:t>5/08/2022</a:t>
+              <a:t>26/08/2022</a:t>
             </a:fld>
             <a:endParaRPr lang="en-AU"/>
           </a:p>
@@ -2096,7 +2096,7 @@
           <a:p>
             <a:fld id="{DA27F154-318D-4FE3-B267-DF9BA598E648}" type="datetimeFigureOut">
               <a:rPr lang="en-AU" smtClean="0"/>
-              <a:t>5/08/2022</a:t>
+              <a:t>26/08/2022</a:t>
             </a:fld>
             <a:endParaRPr lang="en-AU"/>
           </a:p>
@@ -2353,7 +2353,7 @@
           <a:p>
             <a:fld id="{DA27F154-318D-4FE3-B267-DF9BA598E648}" type="datetimeFigureOut">
               <a:rPr lang="en-AU" smtClean="0"/>
-              <a:t>5/08/2022</a:t>
+              <a:t>26/08/2022</a:t>
             </a:fld>
             <a:endParaRPr lang="en-AU"/>
           </a:p>
@@ -2566,7 +2566,7 @@
           <a:p>
             <a:fld id="{DA27F154-318D-4FE3-B267-DF9BA598E648}" type="datetimeFigureOut">
               <a:rPr lang="en-AU" smtClean="0"/>
-              <a:t>5/08/2022</a:t>
+              <a:t>26/08/2022</a:t>
             </a:fld>
             <a:endParaRPr lang="en-AU"/>
           </a:p>
@@ -2973,10 +2973,10 @@
       </p:grpSpPr>
       <p:pic>
         <p:nvPicPr>
-          <p:cNvPr id="4" name="Picture 3" descr="Chart, line chart&#10;&#10;Description automatically generated">
+          <p:cNvPr id="3" name="Picture 2" descr="Chart, line chart&#10;&#10;Description automatically generated">
             <a:extLst>
               <a:ext uri="{FF2B5EF4-FFF2-40B4-BE49-F238E27FC236}">
-                <a16:creationId xmlns:a16="http://schemas.microsoft.com/office/drawing/2014/main" id="{84903094-A75D-4C69-69CE-5DCB9F1F2272}"/>
+                <a16:creationId xmlns:a16="http://schemas.microsoft.com/office/drawing/2014/main" id="{C330F943-D297-C3F3-D3EA-8088A6120A16}"/>
               </a:ext>
             </a:extLst>
           </p:cNvPr>
@@ -2999,7 +2999,7 @@
         </p:blipFill>
         <p:spPr>
           <a:xfrm>
-            <a:off x="-1" y="0"/>
+            <a:off x="-2" y="0"/>
             <a:ext cx="3816183" cy="2442357"/>
           </a:xfrm>
           <a:prstGeom prst="rect">
@@ -3009,10 +3009,10 @@
       </p:pic>
       <p:pic>
         <p:nvPicPr>
-          <p:cNvPr id="8" name="Picture 7" descr="Chart&#10;&#10;Description automatically generated">
+          <p:cNvPr id="6" name="Picture 5" descr="Chart&#10;&#10;Description automatically generated">
             <a:extLst>
               <a:ext uri="{FF2B5EF4-FFF2-40B4-BE49-F238E27FC236}">
-                <a16:creationId xmlns:a16="http://schemas.microsoft.com/office/drawing/2014/main" id="{286181C1-9136-3544-DEB5-449C351E6E0B}"/>
+                <a16:creationId xmlns:a16="http://schemas.microsoft.com/office/drawing/2014/main" id="{4F623057-25E3-4488-68BE-D3FBFD1106E3}"/>
               </a:ext>
             </a:extLst>
           </p:cNvPr>
@@ -3035,8 +3035,8 @@
         </p:blipFill>
         <p:spPr>
           <a:xfrm>
-            <a:off x="-2" y="2211982"/>
-            <a:ext cx="3816184" cy="5342657"/>
+            <a:off x="-3" y="2442357"/>
+            <a:ext cx="3816184" cy="5342658"/>
           </a:xfrm>
           <a:prstGeom prst="rect">
             <a:avLst/>
@@ -3045,10 +3045,10 @@
       </p:pic>
       <p:pic>
         <p:nvPicPr>
-          <p:cNvPr id="10" name="Picture 9" descr="Graphical user interface, application&#10;&#10;Description automatically generated">
+          <p:cNvPr id="9" name="Picture 8" descr="Graphical user interface, application&#10;&#10;Description automatically generated">
             <a:extLst>
               <a:ext uri="{FF2B5EF4-FFF2-40B4-BE49-F238E27FC236}">
-                <a16:creationId xmlns:a16="http://schemas.microsoft.com/office/drawing/2014/main" id="{995F7B8B-CBC3-FD0B-3A65-3B0C298C55AB}"/>
+                <a16:creationId xmlns:a16="http://schemas.microsoft.com/office/drawing/2014/main" id="{7BD5796B-C910-783F-568E-9F954E9BAF06}"/>
               </a:ext>
             </a:extLst>
           </p:cNvPr>
@@ -3071,8 +3071,8 @@
         </p:blipFill>
         <p:spPr>
           <a:xfrm>
-            <a:off x="3515108" y="0"/>
-            <a:ext cx="3703255" cy="7554639"/>
+            <a:off x="3398404" y="0"/>
+            <a:ext cx="3819960" cy="7792720"/>
           </a:xfrm>
           <a:prstGeom prst="rect">
             <a:avLst/>
